--- a/201111 2020 - Is Analytics in Professional Sports Making a Difference - U of Ark.pptx
+++ b/201111 2020 - Is Analytics in Professional Sports Making a Difference - U of Ark.pptx
@@ -242,7 +242,7 @@
           <a:p>
             <a:fld id="{726F62DA-8226-40BB-A178-84CAFB4DB1C7}" type="datetimeFigureOut">
               <a:rPr lang="en-US" smtClean="0"/>
-              <a:t>11/10/2020</a:t>
+              <a:t>11/12/2020</a:t>
             </a:fld>
             <a:endParaRPr lang="en-US"/>
           </a:p>
@@ -33164,14 +33164,15 @@
         <p:spPr/>
         <p:txBody>
           <a:bodyPr>
-            <a:normAutofit/>
+            <a:normAutofit fontScale="90000"/>
           </a:bodyPr>
           <a:lstStyle/>
           <a:p>
             <a:r>
-              <a:rPr lang="en-US" sz="3600" dirty="0"/>
-              <a:t>MSOM Programs</a:t>
+              <a:rPr lang="en-US" sz="3600"/>
+              <a:t>College of Engineering &amp; Industrial Engineering Programs</a:t>
             </a:r>
+            <a:endParaRPr lang="en-US" sz="3600" dirty="0"/>
           </a:p>
         </p:txBody>
       </p:sp>
@@ -40945,7 +40946,7 @@
                           <a:latin typeface="Roboto"/>
                           <a:cs typeface="Roboto"/>
                         </a:rPr>
-                        <a:t>93</a:t>
+                        <a:t>30</a:t>
                       </a:r>
                     </a:p>
                   </a:txBody>
@@ -41016,7 +41017,7 @@
                           <a:latin typeface="Roboto"/>
                           <a:cs typeface="Roboto"/>
                         </a:rPr>
-                        <a:t>0.7</a:t>
+                        <a:t>1.5</a:t>
                       </a:r>
                     </a:p>
                   </a:txBody>
@@ -41087,7 +41088,7 @@
                           <a:latin typeface="Roboto"/>
                           <a:cs typeface="Roboto"/>
                         </a:rPr>
-                        <a:t>0.6</a:t>
+                        <a:t>1.9</a:t>
                       </a:r>
                     </a:p>
                   </a:txBody>
@@ -41158,7 +41159,7 @@
                           <a:latin typeface="Roboto"/>
                           <a:cs typeface="Roboto"/>
                         </a:rPr>
-                        <a:t>0.4</a:t>
+                        <a:t>2.4</a:t>
                       </a:r>
                     </a:p>
                   </a:txBody>
@@ -41229,7 +41230,7 @@
                           <a:latin typeface="Roboto"/>
                           <a:cs typeface="Roboto"/>
                         </a:rPr>
-                        <a:t>0.4</a:t>
+                        <a:t>2.5</a:t>
                       </a:r>
                     </a:p>
                   </a:txBody>
@@ -41300,7 +41301,7 @@
                           <a:latin typeface="Roboto"/>
                           <a:cs typeface="Roboto"/>
                         </a:rPr>
-                        <a:t>0.6</a:t>
+                        <a:t>2.1</a:t>
                       </a:r>
                     </a:p>
                   </a:txBody>
@@ -41371,7 +41372,7 @@
                           <a:latin typeface="Roboto"/>
                           <a:cs typeface="Roboto"/>
                         </a:rPr>
-                        <a:t>0.7</a:t>
+                        <a:t>1.5</a:t>
                       </a:r>
                     </a:p>
                   </a:txBody>
@@ -41442,7 +41443,7 @@
                           <a:latin typeface="Roboto"/>
                           <a:cs typeface="Roboto"/>
                         </a:rPr>
-                        <a:t>1.7</a:t>
+                        <a:t>1.6</a:t>
                       </a:r>
                     </a:p>
                   </a:txBody>
@@ -41513,7 +41514,7 @@
                           <a:latin typeface="Roboto"/>
                           <a:cs typeface="Roboto"/>
                         </a:rPr>
-                        <a:t>16.9</a:t>
+                        <a:t>12.7</a:t>
                       </a:r>
                     </a:p>
                   </a:txBody>
@@ -41584,7 +41585,7 @@
                           <a:latin typeface="Roboto"/>
                           <a:cs typeface="Roboto"/>
                         </a:rPr>
-                        <a:t>2.9</a:t>
+                        <a:t>4.0</a:t>
                       </a:r>
                     </a:p>
                   </a:txBody>
@@ -41728,7 +41729,7 @@
                           <a:latin typeface="Roboto"/>
                           <a:cs typeface="Roboto"/>
                         </a:rPr>
-                        <a:t>30</a:t>
+                        <a:t>93</a:t>
                       </a:r>
                     </a:p>
                   </a:txBody>
@@ -41799,7 +41800,7 @@
                           <a:latin typeface="Roboto"/>
                           <a:cs typeface="Roboto"/>
                         </a:rPr>
-                        <a:t>1.5</a:t>
+                        <a:t>0.7</a:t>
                       </a:r>
                     </a:p>
                   </a:txBody>
@@ -41870,7 +41871,7 @@
                           <a:latin typeface="Roboto"/>
                           <a:cs typeface="Roboto"/>
                         </a:rPr>
-                        <a:t>1.9</a:t>
+                        <a:t>0.6</a:t>
                       </a:r>
                     </a:p>
                   </a:txBody>
@@ -41941,7 +41942,7 @@
                           <a:latin typeface="Roboto"/>
                           <a:cs typeface="Roboto"/>
                         </a:rPr>
-                        <a:t>2.4</a:t>
+                        <a:t>0.4</a:t>
                       </a:r>
                     </a:p>
                   </a:txBody>
@@ -42012,7 +42013,7 @@
                           <a:latin typeface="Roboto"/>
                           <a:cs typeface="Roboto"/>
                         </a:rPr>
-                        <a:t>2.5</a:t>
+                        <a:t>0.4</a:t>
                       </a:r>
                     </a:p>
                   </a:txBody>
@@ -42083,7 +42084,7 @@
                           <a:latin typeface="Roboto"/>
                           <a:cs typeface="Roboto"/>
                         </a:rPr>
-                        <a:t>2.1</a:t>
+                        <a:t>0.6</a:t>
                       </a:r>
                     </a:p>
                   </a:txBody>
@@ -42154,7 +42155,7 @@
                           <a:latin typeface="Roboto"/>
                           <a:cs typeface="Roboto"/>
                         </a:rPr>
-                        <a:t>1.5</a:t>
+                        <a:t>0.7</a:t>
                       </a:r>
                     </a:p>
                   </a:txBody>
@@ -42225,7 +42226,7 @@
                           <a:latin typeface="Roboto"/>
                           <a:cs typeface="Roboto"/>
                         </a:rPr>
-                        <a:t>1.6</a:t>
+                        <a:t>1.7</a:t>
                       </a:r>
                     </a:p>
                   </a:txBody>
@@ -42296,7 +42297,7 @@
                           <a:latin typeface="Roboto"/>
                           <a:cs typeface="Roboto"/>
                         </a:rPr>
-                        <a:t>12.7</a:t>
+                        <a:t>16.9</a:t>
                       </a:r>
                     </a:p>
                   </a:txBody>
@@ -42367,7 +42368,7 @@
                           <a:latin typeface="Roboto"/>
                           <a:cs typeface="Roboto"/>
                         </a:rPr>
-                        <a:t>4.0</a:t>
+                        <a:t>2.9</a:t>
                       </a:r>
                     </a:p>
                   </a:txBody>

--- a/201111 2020 - Is Analytics in Professional Sports Making a Difference - U of Ark.pptx
+++ b/201111 2020 - Is Analytics in Professional Sports Making a Difference - U of Ark.pptx
@@ -40946,7 +40946,7 @@
                           <a:latin typeface="Roboto"/>
                           <a:cs typeface="Roboto"/>
                         </a:rPr>
-                        <a:t>30</a:t>
+                        <a:t>36</a:t>
                       </a:r>
                     </a:p>
                   </a:txBody>
@@ -41017,6 +41017,290 @@
                           <a:latin typeface="Roboto"/>
                           <a:cs typeface="Roboto"/>
                         </a:rPr>
+                        <a:t>1.9</a:t>
+                      </a:r>
+                    </a:p>
+                  </a:txBody>
+                  <a:tcPr anchor="ctr" marB="0" marT="0" marR="0" marL="0">
+                    <a:lnL w="0" cmpd="sng" algn="ctr" cap="flat">
+                      <a:solidFill>
+                        <a:srgbClr val="FFFFFF">
+                          <a:alpha val="0"/>
+                        </a:srgbClr>
+                      </a:solidFill>
+                      <a:prstDash val="solid"/>
+                    </a:lnL>
+                    <a:lnR w="0" cmpd="sng" algn="ctr" cap="flat">
+                      <a:solidFill>
+                        <a:srgbClr val="FFFFFF">
+                          <a:alpha val="0"/>
+                        </a:srgbClr>
+                      </a:solidFill>
+                      <a:prstDash val="solid"/>
+                    </a:lnR>
+                    <a:lnT w="0" cmpd="sng" algn="ctr" cap="flat">
+                      <a:solidFill>
+                        <a:srgbClr val="FFFFFF">
+                          <a:alpha val="0"/>
+                        </a:srgbClr>
+                      </a:solidFill>
+                      <a:prstDash val="solid"/>
+                    </a:lnT>
+                    <a:lnB w="0" cmpd="sng" algn="ctr" cap="flat">
+                      <a:solidFill>
+                        <a:srgbClr val="FFFFFF">
+                          <a:alpha val="0"/>
+                        </a:srgbClr>
+                      </a:solidFill>
+                      <a:prstDash val="solid"/>
+                    </a:lnB>
+                    <a:solidFill>
+                      <a:srgbClr val="FFFFFF">
+                        <a:alpha val="100000"/>
+                      </a:srgbClr>
+                    </a:solidFill>
+                  </a:tcPr>
+                </a:tc>
+                <a:tc>
+                  <a:txBody>
+                    <a:bodyPr/>
+                    <a:lstStyle/>
+                    <a:p>
+                      <a:pPr algn="ctr" marL="63500" marR="63500">
+                        <a:lnSpc>
+                          <a:spcPct val="100000"/>
+                        </a:lnSpc>
+                        <a:spcBef>
+                          <a:spcPts val="200"/>
+                        </a:spcBef>
+                        <a:spcAft>
+                          <a:spcPts val="200"/>
+                        </a:spcAft>
+                        <a:buNone/>
+                      </a:pPr>
+                      <a:r>
+                        <a:rPr sz="1200">
+                          <a:solidFill>
+                            <a:srgbClr val="111111">
+                              <a:alpha val="100000"/>
+                            </a:srgbClr>
+                          </a:solidFill>
+                          <a:latin typeface="Roboto"/>
+                          <a:cs typeface="Roboto"/>
+                        </a:rPr>
+                        <a:t>2.3</a:t>
+                      </a:r>
+                    </a:p>
+                  </a:txBody>
+                  <a:tcPr anchor="ctr" marB="0" marT="0" marR="0" marL="0">
+                    <a:lnL w="0" cmpd="sng" algn="ctr" cap="flat">
+                      <a:solidFill>
+                        <a:srgbClr val="FFFFFF">
+                          <a:alpha val="0"/>
+                        </a:srgbClr>
+                      </a:solidFill>
+                      <a:prstDash val="solid"/>
+                    </a:lnL>
+                    <a:lnR w="0" cmpd="sng" algn="ctr" cap="flat">
+                      <a:solidFill>
+                        <a:srgbClr val="FFFFFF">
+                          <a:alpha val="0"/>
+                        </a:srgbClr>
+                      </a:solidFill>
+                      <a:prstDash val="solid"/>
+                    </a:lnR>
+                    <a:lnT w="0" cmpd="sng" algn="ctr" cap="flat">
+                      <a:solidFill>
+                        <a:srgbClr val="FFFFFF">
+                          <a:alpha val="0"/>
+                        </a:srgbClr>
+                      </a:solidFill>
+                      <a:prstDash val="solid"/>
+                    </a:lnT>
+                    <a:lnB w="0" cmpd="sng" algn="ctr" cap="flat">
+                      <a:solidFill>
+                        <a:srgbClr val="FFFFFF">
+                          <a:alpha val="0"/>
+                        </a:srgbClr>
+                      </a:solidFill>
+                      <a:prstDash val="solid"/>
+                    </a:lnB>
+                    <a:solidFill>
+                      <a:srgbClr val="FFFFFF">
+                        <a:alpha val="100000"/>
+                      </a:srgbClr>
+                    </a:solidFill>
+                  </a:tcPr>
+                </a:tc>
+                <a:tc>
+                  <a:txBody>
+                    <a:bodyPr/>
+                    <a:lstStyle/>
+                    <a:p>
+                      <a:pPr algn="ctr" marL="63500" marR="63500">
+                        <a:lnSpc>
+                          <a:spcPct val="100000"/>
+                        </a:lnSpc>
+                        <a:spcBef>
+                          <a:spcPts val="200"/>
+                        </a:spcBef>
+                        <a:spcAft>
+                          <a:spcPts val="200"/>
+                        </a:spcAft>
+                        <a:buNone/>
+                      </a:pPr>
+                      <a:r>
+                        <a:rPr sz="1200">
+                          <a:solidFill>
+                            <a:srgbClr val="111111">
+                              <a:alpha val="100000"/>
+                            </a:srgbClr>
+                          </a:solidFill>
+                          <a:latin typeface="Roboto"/>
+                          <a:cs typeface="Roboto"/>
+                        </a:rPr>
+                        <a:t>2.3</a:t>
+                      </a:r>
+                    </a:p>
+                  </a:txBody>
+                  <a:tcPr anchor="ctr" marB="0" marT="0" marR="0" marL="0">
+                    <a:lnL w="0" cmpd="sng" algn="ctr" cap="flat">
+                      <a:solidFill>
+                        <a:srgbClr val="FFFFFF">
+                          <a:alpha val="0"/>
+                        </a:srgbClr>
+                      </a:solidFill>
+                      <a:prstDash val="solid"/>
+                    </a:lnL>
+                    <a:lnR w="0" cmpd="sng" algn="ctr" cap="flat">
+                      <a:solidFill>
+                        <a:srgbClr val="FFFFFF">
+                          <a:alpha val="0"/>
+                        </a:srgbClr>
+                      </a:solidFill>
+                      <a:prstDash val="solid"/>
+                    </a:lnR>
+                    <a:lnT w="0" cmpd="sng" algn="ctr" cap="flat">
+                      <a:solidFill>
+                        <a:srgbClr val="FFFFFF">
+                          <a:alpha val="0"/>
+                        </a:srgbClr>
+                      </a:solidFill>
+                      <a:prstDash val="solid"/>
+                    </a:lnT>
+                    <a:lnB w="0" cmpd="sng" algn="ctr" cap="flat">
+                      <a:solidFill>
+                        <a:srgbClr val="FFFFFF">
+                          <a:alpha val="0"/>
+                        </a:srgbClr>
+                      </a:solidFill>
+                      <a:prstDash val="solid"/>
+                    </a:lnB>
+                    <a:solidFill>
+                      <a:srgbClr val="FFFFFF">
+                        <a:alpha val="100000"/>
+                      </a:srgbClr>
+                    </a:solidFill>
+                  </a:tcPr>
+                </a:tc>
+                <a:tc>
+                  <a:txBody>
+                    <a:bodyPr/>
+                    <a:lstStyle/>
+                    <a:p>
+                      <a:pPr algn="ctr" marL="63500" marR="63500">
+                        <a:lnSpc>
+                          <a:spcPct val="100000"/>
+                        </a:lnSpc>
+                        <a:spcBef>
+                          <a:spcPts val="200"/>
+                        </a:spcBef>
+                        <a:spcAft>
+                          <a:spcPts val="200"/>
+                        </a:spcAft>
+                        <a:buNone/>
+                      </a:pPr>
+                      <a:r>
+                        <a:rPr sz="1200">
+                          <a:solidFill>
+                            <a:srgbClr val="111111">
+                              <a:alpha val="100000"/>
+                            </a:srgbClr>
+                          </a:solidFill>
+                          <a:latin typeface="Roboto"/>
+                          <a:cs typeface="Roboto"/>
+                        </a:rPr>
+                        <a:t>1.8</a:t>
+                      </a:r>
+                    </a:p>
+                  </a:txBody>
+                  <a:tcPr anchor="ctr" marB="0" marT="0" marR="0" marL="0">
+                    <a:lnL w="0" cmpd="sng" algn="ctr" cap="flat">
+                      <a:solidFill>
+                        <a:srgbClr val="FFFFFF">
+                          <a:alpha val="0"/>
+                        </a:srgbClr>
+                      </a:solidFill>
+                      <a:prstDash val="solid"/>
+                    </a:lnL>
+                    <a:lnR w="0" cmpd="sng" algn="ctr" cap="flat">
+                      <a:solidFill>
+                        <a:srgbClr val="FFFFFF">
+                          <a:alpha val="0"/>
+                        </a:srgbClr>
+                      </a:solidFill>
+                      <a:prstDash val="solid"/>
+                    </a:lnR>
+                    <a:lnT w="0" cmpd="sng" algn="ctr" cap="flat">
+                      <a:solidFill>
+                        <a:srgbClr val="FFFFFF">
+                          <a:alpha val="0"/>
+                        </a:srgbClr>
+                      </a:solidFill>
+                      <a:prstDash val="solid"/>
+                    </a:lnT>
+                    <a:lnB w="0" cmpd="sng" algn="ctr" cap="flat">
+                      <a:solidFill>
+                        <a:srgbClr val="FFFFFF">
+                          <a:alpha val="0"/>
+                        </a:srgbClr>
+                      </a:solidFill>
+                      <a:prstDash val="solid"/>
+                    </a:lnB>
+                    <a:solidFill>
+                      <a:srgbClr val="FFFFFF">
+                        <a:alpha val="100000"/>
+                      </a:srgbClr>
+                    </a:solidFill>
+                  </a:tcPr>
+                </a:tc>
+                <a:tc>
+                  <a:txBody>
+                    <a:bodyPr/>
+                    <a:lstStyle/>
+                    <a:p>
+                      <a:pPr algn="ctr" marL="63500" marR="63500">
+                        <a:lnSpc>
+                          <a:spcPct val="100000"/>
+                        </a:lnSpc>
+                        <a:spcBef>
+                          <a:spcPts val="200"/>
+                        </a:spcBef>
+                        <a:spcAft>
+                          <a:spcPts val="200"/>
+                        </a:spcAft>
+                        <a:buNone/>
+                      </a:pPr>
+                      <a:r>
+                        <a:rPr sz="1200">
+                          <a:solidFill>
+                            <a:srgbClr val="111111">
+                              <a:alpha val="100000"/>
+                            </a:srgbClr>
+                          </a:solidFill>
+                          <a:latin typeface="Roboto"/>
+                          <a:cs typeface="Roboto"/>
+                        </a:rPr>
                         <a:t>1.5</a:t>
                       </a:r>
                     </a:p>
@@ -41088,7 +41372,7 @@
                           <a:latin typeface="Roboto"/>
                           <a:cs typeface="Roboto"/>
                         </a:rPr>
-                        <a:t>1.9</a:t>
+                        <a:t>1.1</a:t>
                       </a:r>
                     </a:p>
                   </a:txBody>
@@ -41159,7 +41443,7 @@
                           <a:latin typeface="Roboto"/>
                           <a:cs typeface="Roboto"/>
                         </a:rPr>
-                        <a:t>2.4</a:t>
+                        <a:t>1.8</a:t>
                       </a:r>
                     </a:p>
                   </a:txBody>
@@ -41197,7 +41481,7 @@
                       <a:prstDash val="solid"/>
                     </a:lnB>
                     <a:solidFill>
-                      <a:srgbClr val="FFFFFF">
+                      <a:srgbClr val="00FF00">
                         <a:alpha val="100000"/>
                       </a:srgbClr>
                     </a:solidFill>
@@ -41230,7 +41514,7 @@
                           <a:latin typeface="Roboto"/>
                           <a:cs typeface="Roboto"/>
                         </a:rPr>
-                        <a:t>2.5</a:t>
+                        <a:t>14.0</a:t>
                       </a:r>
                     </a:p>
                   </a:txBody>
@@ -41268,7 +41552,7 @@
                       <a:prstDash val="solid"/>
                     </a:lnB>
                     <a:solidFill>
-                      <a:srgbClr val="FFFFFF">
+                      <a:srgbClr val="00FF00">
                         <a:alpha val="100000"/>
                       </a:srgbClr>
                     </a:solidFill>
@@ -41301,291 +41585,7 @@
                           <a:latin typeface="Roboto"/>
                           <a:cs typeface="Roboto"/>
                         </a:rPr>
-                        <a:t>2.1</a:t>
-                      </a:r>
-                    </a:p>
-                  </a:txBody>
-                  <a:tcPr anchor="ctr" marB="0" marT="0" marR="0" marL="0">
-                    <a:lnL w="0" cmpd="sng" algn="ctr" cap="flat">
-                      <a:solidFill>
-                        <a:srgbClr val="FFFFFF">
-                          <a:alpha val="0"/>
-                        </a:srgbClr>
-                      </a:solidFill>
-                      <a:prstDash val="solid"/>
-                    </a:lnL>
-                    <a:lnR w="0" cmpd="sng" algn="ctr" cap="flat">
-                      <a:solidFill>
-                        <a:srgbClr val="FFFFFF">
-                          <a:alpha val="0"/>
-                        </a:srgbClr>
-                      </a:solidFill>
-                      <a:prstDash val="solid"/>
-                    </a:lnR>
-                    <a:lnT w="0" cmpd="sng" algn="ctr" cap="flat">
-                      <a:solidFill>
-                        <a:srgbClr val="FFFFFF">
-                          <a:alpha val="0"/>
-                        </a:srgbClr>
-                      </a:solidFill>
-                      <a:prstDash val="solid"/>
-                    </a:lnT>
-                    <a:lnB w="0" cmpd="sng" algn="ctr" cap="flat">
-                      <a:solidFill>
-                        <a:srgbClr val="FFFFFF">
-                          <a:alpha val="0"/>
-                        </a:srgbClr>
-                      </a:solidFill>
-                      <a:prstDash val="solid"/>
-                    </a:lnB>
-                    <a:solidFill>
-                      <a:srgbClr val="FFFFFF">
-                        <a:alpha val="100000"/>
-                      </a:srgbClr>
-                    </a:solidFill>
-                  </a:tcPr>
-                </a:tc>
-                <a:tc>
-                  <a:txBody>
-                    <a:bodyPr/>
-                    <a:lstStyle/>
-                    <a:p>
-                      <a:pPr algn="ctr" marL="63500" marR="63500">
-                        <a:lnSpc>
-                          <a:spcPct val="100000"/>
-                        </a:lnSpc>
-                        <a:spcBef>
-                          <a:spcPts val="200"/>
-                        </a:spcBef>
-                        <a:spcAft>
-                          <a:spcPts val="200"/>
-                        </a:spcAft>
-                        <a:buNone/>
-                      </a:pPr>
-                      <a:r>
-                        <a:rPr sz="1200">
-                          <a:solidFill>
-                            <a:srgbClr val="111111">
-                              <a:alpha val="100000"/>
-                            </a:srgbClr>
-                          </a:solidFill>
-                          <a:latin typeface="Roboto"/>
-                          <a:cs typeface="Roboto"/>
-                        </a:rPr>
-                        <a:t>1.5</a:t>
-                      </a:r>
-                    </a:p>
-                  </a:txBody>
-                  <a:tcPr anchor="ctr" marB="0" marT="0" marR="0" marL="0">
-                    <a:lnL w="0" cmpd="sng" algn="ctr" cap="flat">
-                      <a:solidFill>
-                        <a:srgbClr val="FFFFFF">
-                          <a:alpha val="0"/>
-                        </a:srgbClr>
-                      </a:solidFill>
-                      <a:prstDash val="solid"/>
-                    </a:lnL>
-                    <a:lnR w="0" cmpd="sng" algn="ctr" cap="flat">
-                      <a:solidFill>
-                        <a:srgbClr val="FFFFFF">
-                          <a:alpha val="0"/>
-                        </a:srgbClr>
-                      </a:solidFill>
-                      <a:prstDash val="solid"/>
-                    </a:lnR>
-                    <a:lnT w="0" cmpd="sng" algn="ctr" cap="flat">
-                      <a:solidFill>
-                        <a:srgbClr val="FFFFFF">
-                          <a:alpha val="0"/>
-                        </a:srgbClr>
-                      </a:solidFill>
-                      <a:prstDash val="solid"/>
-                    </a:lnT>
-                    <a:lnB w="0" cmpd="sng" algn="ctr" cap="flat">
-                      <a:solidFill>
-                        <a:srgbClr val="FFFFFF">
-                          <a:alpha val="0"/>
-                        </a:srgbClr>
-                      </a:solidFill>
-                      <a:prstDash val="solid"/>
-                    </a:lnB>
-                    <a:solidFill>
-                      <a:srgbClr val="FFFFFF">
-                        <a:alpha val="100000"/>
-                      </a:srgbClr>
-                    </a:solidFill>
-                  </a:tcPr>
-                </a:tc>
-                <a:tc>
-                  <a:txBody>
-                    <a:bodyPr/>
-                    <a:lstStyle/>
-                    <a:p>
-                      <a:pPr algn="ctr" marL="63500" marR="63500">
-                        <a:lnSpc>
-                          <a:spcPct val="100000"/>
-                        </a:lnSpc>
-                        <a:spcBef>
-                          <a:spcPts val="200"/>
-                        </a:spcBef>
-                        <a:spcAft>
-                          <a:spcPts val="200"/>
-                        </a:spcAft>
-                        <a:buNone/>
-                      </a:pPr>
-                      <a:r>
-                        <a:rPr sz="1200">
-                          <a:solidFill>
-                            <a:srgbClr val="111111">
-                              <a:alpha val="100000"/>
-                            </a:srgbClr>
-                          </a:solidFill>
-                          <a:latin typeface="Roboto"/>
-                          <a:cs typeface="Roboto"/>
-                        </a:rPr>
-                        <a:t>1.6</a:t>
-                      </a:r>
-                    </a:p>
-                  </a:txBody>
-                  <a:tcPr anchor="ctr" marB="0" marT="0" marR="0" marL="0">
-                    <a:lnL w="0" cmpd="sng" algn="ctr" cap="flat">
-                      <a:solidFill>
-                        <a:srgbClr val="FFFFFF">
-                          <a:alpha val="0"/>
-                        </a:srgbClr>
-                      </a:solidFill>
-                      <a:prstDash val="solid"/>
-                    </a:lnL>
-                    <a:lnR w="0" cmpd="sng" algn="ctr" cap="flat">
-                      <a:solidFill>
-                        <a:srgbClr val="FFFFFF">
-                          <a:alpha val="0"/>
-                        </a:srgbClr>
-                      </a:solidFill>
-                      <a:prstDash val="solid"/>
-                    </a:lnR>
-                    <a:lnT w="0" cmpd="sng" algn="ctr" cap="flat">
-                      <a:solidFill>
-                        <a:srgbClr val="FFFFFF">
-                          <a:alpha val="0"/>
-                        </a:srgbClr>
-                      </a:solidFill>
-                      <a:prstDash val="solid"/>
-                    </a:lnT>
-                    <a:lnB w="0" cmpd="sng" algn="ctr" cap="flat">
-                      <a:solidFill>
-                        <a:srgbClr val="FFFFFF">
-                          <a:alpha val="0"/>
-                        </a:srgbClr>
-                      </a:solidFill>
-                      <a:prstDash val="solid"/>
-                    </a:lnB>
-                    <a:solidFill>
-                      <a:srgbClr val="00FF00">
-                        <a:alpha val="100000"/>
-                      </a:srgbClr>
-                    </a:solidFill>
-                  </a:tcPr>
-                </a:tc>
-                <a:tc>
-                  <a:txBody>
-                    <a:bodyPr/>
-                    <a:lstStyle/>
-                    <a:p>
-                      <a:pPr algn="ctr" marL="63500" marR="63500">
-                        <a:lnSpc>
-                          <a:spcPct val="100000"/>
-                        </a:lnSpc>
-                        <a:spcBef>
-                          <a:spcPts val="200"/>
-                        </a:spcBef>
-                        <a:spcAft>
-                          <a:spcPts val="200"/>
-                        </a:spcAft>
-                        <a:buNone/>
-                      </a:pPr>
-                      <a:r>
-                        <a:rPr sz="1200">
-                          <a:solidFill>
-                            <a:srgbClr val="111111">
-                              <a:alpha val="100000"/>
-                            </a:srgbClr>
-                          </a:solidFill>
-                          <a:latin typeface="Roboto"/>
-                          <a:cs typeface="Roboto"/>
-                        </a:rPr>
-                        <a:t>12.7</a:t>
-                      </a:r>
-                    </a:p>
-                  </a:txBody>
-                  <a:tcPr anchor="ctr" marB="0" marT="0" marR="0" marL="0">
-                    <a:lnL w="0" cmpd="sng" algn="ctr" cap="flat">
-                      <a:solidFill>
-                        <a:srgbClr val="FFFFFF">
-                          <a:alpha val="0"/>
-                        </a:srgbClr>
-                      </a:solidFill>
-                      <a:prstDash val="solid"/>
-                    </a:lnL>
-                    <a:lnR w="0" cmpd="sng" algn="ctr" cap="flat">
-                      <a:solidFill>
-                        <a:srgbClr val="FFFFFF">
-                          <a:alpha val="0"/>
-                        </a:srgbClr>
-                      </a:solidFill>
-                      <a:prstDash val="solid"/>
-                    </a:lnR>
-                    <a:lnT w="0" cmpd="sng" algn="ctr" cap="flat">
-                      <a:solidFill>
-                        <a:srgbClr val="FFFFFF">
-                          <a:alpha val="0"/>
-                        </a:srgbClr>
-                      </a:solidFill>
-                      <a:prstDash val="solid"/>
-                    </a:lnT>
-                    <a:lnB w="0" cmpd="sng" algn="ctr" cap="flat">
-                      <a:solidFill>
-                        <a:srgbClr val="FFFFFF">
-                          <a:alpha val="0"/>
-                        </a:srgbClr>
-                      </a:solidFill>
-                      <a:prstDash val="solid"/>
-                    </a:lnB>
-                    <a:solidFill>
-                      <a:srgbClr val="00FF00">
-                        <a:alpha val="100000"/>
-                      </a:srgbClr>
-                    </a:solidFill>
-                  </a:tcPr>
-                </a:tc>
-                <a:tc>
-                  <a:txBody>
-                    <a:bodyPr/>
-                    <a:lstStyle/>
-                    <a:p>
-                      <a:pPr algn="ctr" marL="63500" marR="63500">
-                        <a:lnSpc>
-                          <a:spcPct val="100000"/>
-                        </a:lnSpc>
-                        <a:spcBef>
-                          <a:spcPts val="200"/>
-                        </a:spcBef>
-                        <a:spcAft>
-                          <a:spcPts val="200"/>
-                        </a:spcAft>
-                        <a:buNone/>
-                      </a:pPr>
-                      <a:r>
-                        <a:rPr sz="1200">
-                          <a:solidFill>
-                            <a:srgbClr val="111111">
-                              <a:alpha val="100000"/>
-                            </a:srgbClr>
-                          </a:solidFill>
-                          <a:latin typeface="Roboto"/>
-                          <a:cs typeface="Roboto"/>
-                        </a:rPr>
-                        <a:t>4.0</a:t>
+                        <a:t>3.8</a:t>
                       </a:r>
                     </a:p>
                   </a:txBody>
@@ -41729,7 +41729,7 @@
                           <a:latin typeface="Roboto"/>
                           <a:cs typeface="Roboto"/>
                         </a:rPr>
-                        <a:t>93</a:t>
+                        <a:t>87</a:t>
                       </a:r>
                     </a:p>
                   </a:txBody>
@@ -41800,7 +41800,7 @@
                           <a:latin typeface="Roboto"/>
                           <a:cs typeface="Roboto"/>
                         </a:rPr>
-                        <a:t>0.7</a:t>
+                        <a:t>0.5</a:t>
                       </a:r>
                     </a:p>
                   </a:txBody>
@@ -41871,7 +41871,7 @@
                           <a:latin typeface="Roboto"/>
                           <a:cs typeface="Roboto"/>
                         </a:rPr>
-                        <a:t>0.6</a:t>
+                        <a:t>0.3</a:t>
                       </a:r>
                     </a:p>
                   </a:txBody>
@@ -42013,7 +42013,7 @@
                           <a:latin typeface="Roboto"/>
                           <a:cs typeface="Roboto"/>
                         </a:rPr>
-                        <a:t>0.4</a:t>
+                        <a:t>0.6</a:t>
                       </a:r>
                     </a:p>
                   </a:txBody>
@@ -42084,7 +42084,7 @@
                           <a:latin typeface="Roboto"/>
                           <a:cs typeface="Roboto"/>
                         </a:rPr>
-                        <a:t>0.6</a:t>
+                        <a:t>0.7</a:t>
                       </a:r>
                     </a:p>
                   </a:txBody>
@@ -42155,7 +42155,7 @@
                           <a:latin typeface="Roboto"/>
                           <a:cs typeface="Roboto"/>
                         </a:rPr>
-                        <a:t>0.7</a:t>
+                        <a:t>0.9</a:t>
                       </a:r>
                     </a:p>
                   </a:txBody>
@@ -42297,7 +42297,7 @@
                           <a:latin typeface="Roboto"/>
                           <a:cs typeface="Roboto"/>
                         </a:rPr>
-                        <a:t>16.9</a:t>
+                        <a:t>16.7</a:t>
                       </a:r>
                     </a:p>
                   </a:txBody>
